--- a/Semi-Supervised Learning/SemiSupervisedPresentation.pptx
+++ b/Semi-Supervised Learning/SemiSupervisedPresentation.pptx
@@ -5,7 +5,7 @@
     <p:sldMasterId id="2147483803" r:id="rId1"/>
   </p:sldMasterIdLst>
   <p:notesMasterIdLst>
-    <p:notesMasterId r:id="rId17"/>
+    <p:notesMasterId r:id="rId18"/>
   </p:notesMasterIdLst>
   <p:sldIdLst>
     <p:sldId id="256" r:id="rId2"/>
@@ -19,10 +19,11 @@
     <p:sldId id="263" r:id="rId10"/>
     <p:sldId id="266" r:id="rId11"/>
     <p:sldId id="270" r:id="rId12"/>
-    <p:sldId id="271" r:id="rId13"/>
-    <p:sldId id="272" r:id="rId14"/>
-    <p:sldId id="273" r:id="rId15"/>
-    <p:sldId id="264" r:id="rId16"/>
+    <p:sldId id="274" r:id="rId13"/>
+    <p:sldId id="271" r:id="rId14"/>
+    <p:sldId id="272" r:id="rId15"/>
+    <p:sldId id="273" r:id="rId16"/>
+    <p:sldId id="264" r:id="rId17"/>
   </p:sldIdLst>
   <p:sldSz cx="12192000" cy="6858000"/>
   <p:notesSz cx="6858000" cy="9144000"/>
@@ -211,7 +212,7 @@
           <a:p>
             <a:fld id="{860DA283-8FC4-8745-AA5E-679D16EF86BF}" type="datetimeFigureOut">
               <a:rPr lang="en-US" smtClean="0"/>
-              <a:t>9/17/19</a:t>
+              <a:t>9/18/19</a:t>
             </a:fld>
             <a:endParaRPr lang="en-US"/>
           </a:p>
@@ -853,6 +854,102 @@
 </p:notes>
 </file>
 
+<file path=ppt/notesSlides/notesSlide3.xml><?xml version="1.0" encoding="utf-8"?>
+<p:notes xmlns:a="http://schemas.openxmlformats.org/drawingml/2006/main" xmlns:r="http://schemas.openxmlformats.org/officeDocument/2006/relationships" xmlns:p="http://schemas.openxmlformats.org/presentationml/2006/main">
+  <p:cSld>
+    <p:spTree>
+      <p:nvGrpSpPr>
+        <p:cNvPr id="1" name=""/>
+        <p:cNvGrpSpPr/>
+        <p:nvPr/>
+      </p:nvGrpSpPr>
+      <p:grpSpPr>
+        <a:xfrm>
+          <a:off x="0" y="0"/>
+          <a:ext cx="0" cy="0"/>
+          <a:chOff x="0" y="0"/>
+          <a:chExt cx="0" cy="0"/>
+        </a:xfrm>
+      </p:grpSpPr>
+      <p:sp>
+        <p:nvSpPr>
+          <p:cNvPr id="2" name="Slide Image Placeholder 1"/>
+          <p:cNvSpPr>
+            <a:spLocks noGrp="1" noRot="1" noChangeAspect="1"/>
+          </p:cNvSpPr>
+          <p:nvPr>
+            <p:ph type="sldImg"/>
+          </p:nvPr>
+        </p:nvSpPr>
+        <p:spPr/>
+      </p:sp>
+      <p:sp>
+        <p:nvSpPr>
+          <p:cNvPr id="3" name="Notes Placeholder 2"/>
+          <p:cNvSpPr>
+            <a:spLocks noGrp="1"/>
+          </p:cNvSpPr>
+          <p:nvPr>
+            <p:ph type="body" idx="1"/>
+          </p:nvPr>
+        </p:nvSpPr>
+        <p:spPr/>
+        <p:txBody>
+          <a:bodyPr/>
+          <a:lstStyle/>
+          <a:p>
+            <a:r>
+              <a:rPr lang="en-US" sz="1200" b="0" i="0" kern="1200" dirty="0">
+                <a:solidFill>
+                  <a:schemeClr val="tx1"/>
+                </a:solidFill>
+                <a:effectLst/>
+                <a:latin typeface="+mn-lt"/>
+                <a:ea typeface="+mn-ea"/>
+                <a:cs typeface="+mn-cs"/>
+              </a:rPr>
+              <a:t>Online Mendelian Inheritance in Man</a:t>
+            </a:r>
+            <a:endParaRPr lang="en-US" dirty="0"/>
+          </a:p>
+        </p:txBody>
+      </p:sp>
+      <p:sp>
+        <p:nvSpPr>
+          <p:cNvPr id="4" name="Slide Number Placeholder 3"/>
+          <p:cNvSpPr>
+            <a:spLocks noGrp="1"/>
+          </p:cNvSpPr>
+          <p:nvPr>
+            <p:ph type="sldNum" sz="quarter" idx="5"/>
+          </p:nvPr>
+        </p:nvSpPr>
+        <p:spPr/>
+        <p:txBody>
+          <a:bodyPr/>
+          <a:lstStyle/>
+          <a:p>
+            <a:fld id="{F387D2EB-63CE-3940-944B-64B2B0217305}" type="slidenum">
+              <a:rPr lang="en-US" smtClean="0"/>
+              <a:t>12</a:t>
+            </a:fld>
+            <a:endParaRPr lang="en-US"/>
+          </a:p>
+        </p:txBody>
+      </p:sp>
+    </p:spTree>
+    <p:extLst>
+      <p:ext uri="{BB962C8B-B14F-4D97-AF65-F5344CB8AC3E}">
+        <p14:creationId xmlns:p14="http://schemas.microsoft.com/office/powerpoint/2010/main" val="1448369222"/>
+      </p:ext>
+    </p:extLst>
+  </p:cSld>
+  <p:clrMapOvr>
+    <a:masterClrMapping/>
+  </p:clrMapOvr>
+</p:notes>
+</file>
+
 <file path=ppt/slideLayouts/slideLayout1.xml><?xml version="1.0" encoding="utf-8"?>
 <p:sldLayout xmlns:a="http://schemas.openxmlformats.org/drawingml/2006/main" xmlns:r="http://schemas.openxmlformats.org/officeDocument/2006/relationships" xmlns:p="http://schemas.openxmlformats.org/presentationml/2006/main" type="title" preserve="1">
   <p:cSld name="Title Slide">
@@ -984,7 +1081,7 @@
           <a:p>
             <a:fld id="{8E2093EF-4A34-B746-9877-D7AD1D5EFE83}" type="datetimeFigureOut">
               <a:rPr lang="en-US" smtClean="0"/>
-              <a:t>9/17/19</a:t>
+              <a:t>9/18/19</a:t>
             </a:fld>
             <a:endParaRPr lang="en-US"/>
           </a:p>
@@ -1154,7 +1251,7 @@
           <a:p>
             <a:fld id="{8E2093EF-4A34-B746-9877-D7AD1D5EFE83}" type="datetimeFigureOut">
               <a:rPr lang="en-US" smtClean="0"/>
-              <a:t>9/17/19</a:t>
+              <a:t>9/18/19</a:t>
             </a:fld>
             <a:endParaRPr lang="en-US"/>
           </a:p>
@@ -1334,7 +1431,7 @@
           <a:p>
             <a:fld id="{8E2093EF-4A34-B746-9877-D7AD1D5EFE83}" type="datetimeFigureOut">
               <a:rPr lang="en-US" smtClean="0"/>
-              <a:t>9/17/19</a:t>
+              <a:t>9/18/19</a:t>
             </a:fld>
             <a:endParaRPr lang="en-US"/>
           </a:p>
@@ -1504,7 +1601,7 @@
           <a:p>
             <a:fld id="{8E2093EF-4A34-B746-9877-D7AD1D5EFE83}" type="datetimeFigureOut">
               <a:rPr lang="en-US" smtClean="0"/>
-              <a:t>9/17/19</a:t>
+              <a:t>9/18/19</a:t>
             </a:fld>
             <a:endParaRPr lang="en-US"/>
           </a:p>
@@ -1750,7 +1847,7 @@
           <a:p>
             <a:fld id="{8E2093EF-4A34-B746-9877-D7AD1D5EFE83}" type="datetimeFigureOut">
               <a:rPr lang="en-US" smtClean="0"/>
-              <a:t>9/17/19</a:t>
+              <a:t>9/18/19</a:t>
             </a:fld>
             <a:endParaRPr lang="en-US"/>
           </a:p>
@@ -1982,7 +2079,7 @@
           <a:p>
             <a:fld id="{8E2093EF-4A34-B746-9877-D7AD1D5EFE83}" type="datetimeFigureOut">
               <a:rPr lang="en-US" smtClean="0"/>
-              <a:t>9/17/19</a:t>
+              <a:t>9/18/19</a:t>
             </a:fld>
             <a:endParaRPr lang="en-US"/>
           </a:p>
@@ -2349,7 +2446,7 @@
           <a:p>
             <a:fld id="{8E2093EF-4A34-B746-9877-D7AD1D5EFE83}" type="datetimeFigureOut">
               <a:rPr lang="en-US" smtClean="0"/>
-              <a:t>9/17/19</a:t>
+              <a:t>9/18/19</a:t>
             </a:fld>
             <a:endParaRPr lang="en-US"/>
           </a:p>
@@ -2467,7 +2564,7 @@
           <a:p>
             <a:fld id="{8E2093EF-4A34-B746-9877-D7AD1D5EFE83}" type="datetimeFigureOut">
               <a:rPr lang="en-US" smtClean="0"/>
-              <a:t>9/17/19</a:t>
+              <a:t>9/18/19</a:t>
             </a:fld>
             <a:endParaRPr lang="en-US"/>
           </a:p>
@@ -2562,7 +2659,7 @@
           <a:p>
             <a:fld id="{8E2093EF-4A34-B746-9877-D7AD1D5EFE83}" type="datetimeFigureOut">
               <a:rPr lang="en-US" smtClean="0"/>
-              <a:t>9/17/19</a:t>
+              <a:t>9/18/19</a:t>
             </a:fld>
             <a:endParaRPr lang="en-US"/>
           </a:p>
@@ -2839,7 +2936,7 @@
           <a:p>
             <a:fld id="{8E2093EF-4A34-B746-9877-D7AD1D5EFE83}" type="datetimeFigureOut">
               <a:rPr lang="en-US" smtClean="0"/>
-              <a:t>9/17/19</a:t>
+              <a:t>9/18/19</a:t>
             </a:fld>
             <a:endParaRPr lang="en-US"/>
           </a:p>
@@ -3096,7 +3193,7 @@
           <a:p>
             <a:fld id="{8E2093EF-4A34-B746-9877-D7AD1D5EFE83}" type="datetimeFigureOut">
               <a:rPr lang="en-US" smtClean="0"/>
-              <a:t>9/17/19</a:t>
+              <a:t>9/18/19</a:t>
             </a:fld>
             <a:endParaRPr lang="en-US"/>
           </a:p>
@@ -3309,7 +3406,7 @@
           <a:p>
             <a:fld id="{8E2093EF-4A34-B746-9877-D7AD1D5EFE83}" type="datetimeFigureOut">
               <a:rPr lang="en-US" smtClean="0"/>
-              <a:t>9/17/19</a:t>
+              <a:t>9/18/19</a:t>
             </a:fld>
             <a:endParaRPr lang="en-US"/>
           </a:p>
@@ -3818,7 +3915,7 @@
         </p:nvSpPr>
         <p:spPr>
           <a:xfrm>
-            <a:off x="380307" y="402091"/>
+            <a:off x="613063" y="402092"/>
             <a:ext cx="10965873" cy="1662546"/>
           </a:xfrm>
         </p:spPr>
@@ -4136,6 +4233,94 @@
 </file>
 
 <file path=ppt/slides/slide12.xml><?xml version="1.0" encoding="utf-8"?>
+<p:sld xmlns:a="http://schemas.openxmlformats.org/drawingml/2006/main" xmlns:r="http://schemas.openxmlformats.org/officeDocument/2006/relationships" xmlns:p="http://schemas.openxmlformats.org/presentationml/2006/main">
+  <p:cSld>
+    <p:spTree>
+      <p:nvGrpSpPr>
+        <p:cNvPr id="1" name=""/>
+        <p:cNvGrpSpPr/>
+        <p:nvPr/>
+      </p:nvGrpSpPr>
+      <p:grpSpPr>
+        <a:xfrm>
+          <a:off x="0" y="0"/>
+          <a:ext cx="0" cy="0"/>
+          <a:chOff x="0" y="0"/>
+          <a:chExt cx="0" cy="0"/>
+        </a:xfrm>
+      </p:grpSpPr>
+      <p:sp>
+        <p:nvSpPr>
+          <p:cNvPr id="2" name="Title 1">
+            <a:extLst>
+              <a:ext uri="{FF2B5EF4-FFF2-40B4-BE49-F238E27FC236}">
+                <a16:creationId xmlns:a16="http://schemas.microsoft.com/office/drawing/2014/main" id="{EFBE2817-7130-E94F-A260-DDBD02F435D6}"/>
+              </a:ext>
+            </a:extLst>
+          </p:cNvPr>
+          <p:cNvSpPr>
+            <a:spLocks noGrp="1"/>
+          </p:cNvSpPr>
+          <p:nvPr>
+            <p:ph type="title"/>
+          </p:nvPr>
+        </p:nvSpPr>
+        <p:spPr/>
+        <p:txBody>
+          <a:bodyPr/>
+          <a:lstStyle/>
+          <a:p>
+            <a:r>
+              <a:rPr lang="en-US" dirty="0"/>
+              <a:t>SSL Method</a:t>
+            </a:r>
+          </a:p>
+        </p:txBody>
+      </p:sp>
+      <p:pic>
+        <p:nvPicPr>
+          <p:cNvPr id="4" name="Picture 3">
+            <a:extLst>
+              <a:ext uri="{FF2B5EF4-FFF2-40B4-BE49-F238E27FC236}">
+                <a16:creationId xmlns:a16="http://schemas.microsoft.com/office/drawing/2014/main" id="{BE05E564-BB6E-9A49-8BB6-D3C5A4AD754D}"/>
+              </a:ext>
+            </a:extLst>
+          </p:cNvPr>
+          <p:cNvPicPr>
+            <a:picLocks noChangeAspect="1"/>
+          </p:cNvPicPr>
+          <p:nvPr/>
+        </p:nvPicPr>
+        <p:blipFill>
+          <a:blip r:embed="rId3"/>
+          <a:stretch>
+            <a:fillRect/>
+          </a:stretch>
+        </p:blipFill>
+        <p:spPr>
+          <a:xfrm>
+            <a:off x="3932767" y="1239901"/>
+            <a:ext cx="6802966" cy="5095283"/>
+          </a:xfrm>
+          <a:prstGeom prst="rect">
+            <a:avLst/>
+          </a:prstGeom>
+        </p:spPr>
+      </p:pic>
+    </p:spTree>
+    <p:extLst>
+      <p:ext uri="{BB962C8B-B14F-4D97-AF65-F5344CB8AC3E}">
+        <p14:creationId xmlns:p14="http://schemas.microsoft.com/office/powerpoint/2010/main" val="1766616866"/>
+      </p:ext>
+    </p:extLst>
+  </p:cSld>
+  <p:clrMapOvr>
+    <a:masterClrMapping/>
+  </p:clrMapOvr>
+</p:sld>
+</file>
+
+<file path=ppt/slides/slide13.xml><?xml version="1.0" encoding="utf-8"?>
 <p:sld xmlns:a="http://schemas.openxmlformats.org/drawingml/2006/main" xmlns:r="http://schemas.openxmlformats.org/officeDocument/2006/relationships" xmlns:p="http://schemas.openxmlformats.org/presentationml/2006/main">
   <p:cSld>
     <p:spTree>
@@ -4223,7 +4408,7 @@
 </p:sld>
 </file>
 
-<file path=ppt/slides/slide13.xml><?xml version="1.0" encoding="utf-8"?>
+<file path=ppt/slides/slide14.xml><?xml version="1.0" encoding="utf-8"?>
 <p:sld xmlns:a="http://schemas.openxmlformats.org/drawingml/2006/main" xmlns:r="http://schemas.openxmlformats.org/officeDocument/2006/relationships" xmlns:p="http://schemas.openxmlformats.org/presentationml/2006/main">
   <p:cSld>
     <p:spTree>
@@ -4311,7 +4496,7 @@
 </p:sld>
 </file>
 
-<file path=ppt/slides/slide14.xml><?xml version="1.0" encoding="utf-8"?>
+<file path=ppt/slides/slide15.xml><?xml version="1.0" encoding="utf-8"?>
 <p:sld xmlns:a="http://schemas.openxmlformats.org/drawingml/2006/main" xmlns:r="http://schemas.openxmlformats.org/officeDocument/2006/relationships" xmlns:p="http://schemas.openxmlformats.org/presentationml/2006/main">
   <p:cSld>
     <p:spTree>
@@ -4415,7 +4600,7 @@
 </p:sld>
 </file>
 
-<file path=ppt/slides/slide15.xml><?xml version="1.0" encoding="utf-8"?>
+<file path=ppt/slides/slide16.xml><?xml version="1.0" encoding="utf-8"?>
 <p:sld xmlns:a="http://schemas.openxmlformats.org/drawingml/2006/main" xmlns:r="http://schemas.openxmlformats.org/officeDocument/2006/relationships" xmlns:p="http://schemas.openxmlformats.org/presentationml/2006/main">
   <p:cSld>
     <p:spTree>
